--- a/Машина_Перейри_full.pptx
+++ b/Машина_Перейри_full.pptx
@@ -11,6 +11,7 @@
     <p:sldId id="259" r:id="rId6"/>
     <p:sldId id="260" r:id="rId7"/>
     <p:sldId id="261" r:id="rId8"/>
+    <p:sldId id="262" r:id="rId9"/>
   </p:sldIdLst>
   <p:sldSz cx="18288000" cy="10287000"/>
   <p:notesSz cx="7559675" cy="10691812"/>
@@ -1667,9 +1668,9 @@
         <p:grpSpPr>
           <a:xfrm>
             <a:off x="3520440" y="1590120"/>
-            <a:ext cx="11246040" cy="7964280"/>
+            <a:ext cx="11245320" cy="7964280"/>
             <a:chOff x="3520440" y="1590120"/>
-            <a:chExt cx="11246040" cy="7964280"/>
+            <a:chExt cx="11245320" cy="7964280"/>
           </a:xfrm>
         </p:grpSpPr>
         <p:sp>
@@ -1681,7 +1682,7 @@
           <p:spPr>
             <a:xfrm>
               <a:off x="3520440" y="1590120"/>
-              <a:ext cx="11246040" cy="1990440"/>
+              <a:ext cx="11245320" cy="1990440"/>
             </a:xfrm>
             <a:prstGeom prst="rect">
               <a:avLst/>
@@ -1752,7 +1753,7 @@
           <p:spPr>
             <a:xfrm>
               <a:off x="6603120" y="8168040"/>
-              <a:ext cx="5080680" cy="1386360"/>
+              <a:ext cx="5079960" cy="1386360"/>
             </a:xfrm>
             <a:prstGeom prst="rect">
               <a:avLst/>
@@ -1779,7 +1780,7 @@
                 </a:lnSpc>
               </a:pPr>
               <a:r>
-                <a:rPr b="0" lang="en-US" sz="2800" spc="216" strike="noStrike">
+                <a:rPr b="0" lang="en-US" sz="2800" spc="211" strike="noStrike">
                   <a:solidFill>
                     <a:srgbClr val="ffffff"/>
                   </a:solidFill>
@@ -1799,7 +1800,7 @@
                 </a:lnSpc>
               </a:pPr>
               <a:r>
-                <a:rPr b="0" lang="en-US" sz="2800" spc="216" strike="noStrike">
+                <a:rPr b="0" lang="en-US" sz="2800" spc="211" strike="noStrike">
                   <a:solidFill>
                     <a:srgbClr val="ffffff"/>
                   </a:solidFill>
@@ -1819,7 +1820,7 @@
                 </a:lnSpc>
               </a:pPr>
               <a:r>
-                <a:rPr b="0" lang="en-US" sz="2800" spc="216" strike="noStrike">
+                <a:rPr b="0" lang="en-US" sz="2800" spc="211" strike="noStrike">
                   <a:solidFill>
                     <a:srgbClr val="ffffff"/>
                   </a:solidFill>
@@ -1842,8 +1843,8 @@
           </p:nvSpPr>
           <p:spPr>
             <a:xfrm rot="16200000">
-              <a:off x="8037360" y="6327720"/>
-              <a:ext cx="2212200" cy="40680"/>
+              <a:off x="8037360" y="6328440"/>
+              <a:ext cx="2211480" cy="39960"/>
             </a:xfrm>
             <a:prstGeom prst="rect">
               <a:avLst/>
@@ -1909,9 +1910,9 @@
         <p:grpSpPr>
           <a:xfrm>
             <a:off x="685800" y="457200"/>
-            <a:ext cx="9829080" cy="7170120"/>
+            <a:ext cx="9828360" cy="7170120"/>
             <a:chOff x="685800" y="457200"/>
-            <a:chExt cx="9829080" cy="7170120"/>
+            <a:chExt cx="9828360" cy="7170120"/>
           </a:xfrm>
         </p:grpSpPr>
         <p:sp>
@@ -1923,7 +1924,7 @@
           <p:spPr>
             <a:xfrm>
               <a:off x="685800" y="457200"/>
-              <a:ext cx="8914680" cy="2971800"/>
+              <a:ext cx="8913960" cy="2971800"/>
             </a:xfrm>
             <a:prstGeom prst="rect">
               <a:avLst/>
@@ -1994,7 +1995,7 @@
           <p:spPr>
             <a:xfrm>
               <a:off x="685800" y="3893040"/>
-              <a:ext cx="9829080" cy="3734280"/>
+              <a:ext cx="9828360" cy="3734280"/>
             </a:xfrm>
             <a:prstGeom prst="rect">
               <a:avLst/>
@@ -2015,7 +2016,7 @@
               <a:spAutoFit/>
             </a:bodyPr>
             <a:p>
-              <a:pPr marL="216000" indent="-215280">
+              <a:pPr marL="216000" indent="-214560">
                 <a:lnSpc>
                   <a:spcPts val="4201"/>
                 </a:lnSpc>
@@ -2026,7 +2027,7 @@
                 <a:buChar char=""/>
               </a:pPr>
               <a:r>
-                <a:rPr b="0" lang="en-US" sz="2800" spc="117" strike="noStrike">
+                <a:rPr b="0" lang="en-US" sz="2800" spc="111" strike="noStrike">
                   <a:solidFill>
                     <a:srgbClr val="ffffff"/>
                   </a:solidFill>
@@ -2040,7 +2041,7 @@
               </a:endParaRPr>
             </a:p>
             <a:p>
-              <a:pPr marL="216000" indent="-215280">
+              <a:pPr marL="216000" indent="-214560">
                 <a:lnSpc>
                   <a:spcPts val="4201"/>
                 </a:lnSpc>
@@ -2051,21 +2052,21 @@
                 <a:buChar char=""/>
               </a:pPr>
               <a:r>
-                <a:rPr b="0" lang="en-US" sz="2800" spc="117" strike="noStrike">
+                <a:rPr b="0" lang="en-US" sz="2800" spc="111" strike="noStrike">
                   <a:solidFill>
                     <a:srgbClr val="ffffff"/>
                   </a:solidFill>
                   <a:latin typeface="Courier New"/>
                   <a:ea typeface="DejaVu Sans"/>
                 </a:rPr>
-                <a:t>Рік :5 мая 1751 года(публікація у “Журналі вчених” </a:t>
+                <a:t>Рік :5 травня 1751 года(публікація у “Журналі вчених” </a:t>
               </a:r>
               <a:endParaRPr b="0" lang="en-US" sz="2800" spc="-1" strike="noStrike">
                 <a:latin typeface="Arial"/>
               </a:endParaRPr>
             </a:p>
             <a:p>
-              <a:pPr marL="216000" indent="-215280">
+              <a:pPr marL="216000" indent="-214560">
                 <a:lnSpc>
                   <a:spcPts val="4201"/>
                 </a:lnSpc>
@@ -2076,7 +2077,7 @@
                 <a:buChar char=""/>
               </a:pPr>
               <a:r>
-                <a:rPr b="0" lang="en-US" sz="2800" spc="117" strike="noStrike">
+                <a:rPr b="0" lang="en-US" sz="2800" spc="111" strike="noStrike">
                   <a:solidFill>
                     <a:srgbClr val="ffffff"/>
                   </a:solidFill>
@@ -2090,7 +2091,7 @@
               </a:endParaRPr>
             </a:p>
             <a:p>
-              <a:pPr marL="216000" indent="-215280">
+              <a:pPr marL="216000" indent="-214560">
                 <a:lnSpc>
                   <a:spcPts val="4201"/>
                 </a:lnSpc>
@@ -2101,7 +2102,7 @@
                 <a:buChar char=""/>
               </a:pPr>
               <a:r>
-                <a:rPr b="0" lang="en-US" sz="2800" spc="117" strike="noStrike">
+                <a:rPr b="0" lang="en-US" sz="2800" spc="111" strike="noStrike">
                   <a:solidFill>
                     <a:srgbClr val="ffffff"/>
                   </a:solidFill>
@@ -2111,7 +2112,7 @@
                 <a:t>Мета використання:</a:t>
               </a:r>
               <a:r>
-                <a:rPr b="0" lang="en-US" sz="2800" spc="117" strike="noStrike">
+                <a:rPr b="0" lang="en-US" sz="2800" spc="111" strike="noStrike">
                   <a:solidFill>
                     <a:srgbClr val="ffffff"/>
                   </a:solidFill>
@@ -2135,8 +2136,8 @@
         </p:nvSpPr>
         <p:spPr>
           <a:xfrm rot="5400000">
-            <a:off x="14339160" y="3934080"/>
-            <a:ext cx="6107400" cy="297000"/>
+            <a:off x="14339520" y="3933720"/>
+            <a:ext cx="6106680" cy="297000"/>
           </a:xfrm>
           <a:prstGeom prst="rect">
             <a:avLst/>
@@ -2163,7 +2164,7 @@
               </a:lnSpc>
             </a:pPr>
             <a:r>
-              <a:rPr b="0" lang="en-US" sz="1800" spc="80" strike="noStrike">
+              <a:rPr b="0" lang="en-US" sz="1800" spc="75" strike="noStrike">
                 <a:solidFill>
                   <a:srgbClr val="ffffff"/>
                 </a:solidFill>
@@ -2191,7 +2192,7 @@
         <p:spPr>
           <a:xfrm>
             <a:off x="10744200" y="914400"/>
-            <a:ext cx="6184800" cy="8000280"/>
+            <a:ext cx="6184080" cy="7999560"/>
           </a:xfrm>
           <a:prstGeom prst="rect">
             <a:avLst/>
@@ -2210,7 +2211,7 @@
         <p:spPr>
           <a:xfrm>
             <a:off x="229320" y="6477480"/>
-            <a:ext cx="5714280" cy="6095520"/>
+            <a:ext cx="5713560" cy="6095520"/>
           </a:xfrm>
           <a:prstGeom prst="rect">
             <a:avLst/>
@@ -2293,7 +2294,7 @@
         <p:spPr>
           <a:xfrm>
             <a:off x="914400" y="457200"/>
-            <a:ext cx="10857600" cy="990360"/>
+            <a:ext cx="10856880" cy="990360"/>
           </a:xfrm>
           <a:prstGeom prst="rect">
             <a:avLst/>
@@ -2330,9 +2331,6 @@
               <a:t>Схеми роботи пристрою</a:t>
             </a:r>
             <a:endParaRPr b="0" lang="en-US" sz="6500" spc="-1" strike="noStrike">
-              <a:solidFill>
-                <a:srgbClr val="594f3d"/>
-              </a:solidFill>
               <a:latin typeface="Arial"/>
             </a:endParaRPr>
           </a:p>
@@ -2347,7 +2345,7 @@
         <p:spPr>
           <a:xfrm>
             <a:off x="11430000" y="1004760"/>
-            <a:ext cx="6628680" cy="4481640"/>
+            <a:ext cx="6627960" cy="4481640"/>
           </a:xfrm>
           <a:prstGeom prst="rect">
             <a:avLst/>
@@ -2368,7 +2366,7 @@
             <a:spAutoFit/>
           </a:bodyPr>
           <a:p>
-            <a:pPr marL="216000" indent="-215280">
+            <a:pPr marL="216000" indent="-214560">
               <a:lnSpc>
                 <a:spcPts val="3529"/>
               </a:lnSpc>
@@ -2382,7 +2380,7 @@
               </a:tabLst>
             </a:pPr>
             <a:r>
-              <a:rPr b="0" lang="en-US" sz="2400" spc="100" strike="noStrike">
+              <a:rPr b="0" lang="en-US" sz="2400" spc="94" strike="noStrike">
                 <a:solidFill>
                   <a:srgbClr val="272523"/>
                 </a:solidFill>
@@ -2405,7 +2403,7 @@
               </a:tabLst>
             </a:pPr>
             <a:r>
-              <a:rPr b="0" lang="en-US" sz="2400" spc="100" strike="noStrike">
+              <a:rPr b="0" lang="en-US" sz="2400" spc="94" strike="noStrike">
                 <a:solidFill>
                   <a:srgbClr val="272523"/>
                 </a:solidFill>
@@ -2415,7 +2413,7 @@
               <a:t> </a:t>
             </a:r>
             <a:r>
-              <a:rPr b="0" lang="en-US" sz="2400" spc="100" strike="noStrike">
+              <a:rPr b="0" lang="en-US" sz="2400" spc="94" strike="noStrike">
                 <a:solidFill>
                   <a:srgbClr val="272523"/>
                 </a:solidFill>
@@ -2442,7 +2440,7 @@
             </a:endParaRPr>
           </a:p>
           <a:p>
-            <a:pPr marL="216000" indent="-215280">
+            <a:pPr marL="216000" indent="-214560">
               <a:lnSpc>
                 <a:spcPts val="3529"/>
               </a:lnSpc>
@@ -2456,7 +2454,7 @@
               </a:tabLst>
             </a:pPr>
             <a:r>
-              <a:rPr b="0" lang="en-US" sz="2400" spc="100" strike="noStrike">
+              <a:rPr b="0" lang="en-US" sz="2400" spc="94" strike="noStrike">
                 <a:solidFill>
                   <a:srgbClr val="272523"/>
                 </a:solidFill>
@@ -2466,7 +2464,7 @@
               <a:t> </a:t>
             </a:r>
             <a:r>
-              <a:rPr b="0" lang="en-US" sz="2400" spc="100" strike="noStrike">
+              <a:rPr b="0" lang="en-US" sz="2400" spc="94" strike="noStrike">
                 <a:solidFill>
                   <a:srgbClr val="272523"/>
                 </a:solidFill>
@@ -2490,7 +2488,7 @@
         <p:spPr>
           <a:xfrm>
             <a:off x="-228600" y="5715000"/>
-            <a:ext cx="5942880" cy="6095520"/>
+            <a:ext cx="5942160" cy="6095520"/>
           </a:xfrm>
           <a:prstGeom prst="rect">
             <a:avLst/>
@@ -2547,7 +2545,7 @@
         <p:spPr>
           <a:xfrm>
             <a:off x="228600" y="1600200"/>
-            <a:ext cx="5257080" cy="5371200"/>
+            <a:ext cx="5256360" cy="5370480"/>
           </a:xfrm>
           <a:prstGeom prst="rect">
             <a:avLst/>
@@ -2570,7 +2568,7 @@
         <p:spPr>
           <a:xfrm>
             <a:off x="5557680" y="4038840"/>
-            <a:ext cx="5871600" cy="4875840"/>
+            <a:ext cx="5870880" cy="4875120"/>
           </a:xfrm>
           <a:prstGeom prst="rect">
             <a:avLst/>
@@ -2593,7 +2591,7 @@
         <p:spPr>
           <a:xfrm>
             <a:off x="11658600" y="5929920"/>
-            <a:ext cx="6171480" cy="4034880"/>
+            <a:ext cx="6170760" cy="4034160"/>
           </a:xfrm>
           <a:prstGeom prst="rect">
             <a:avLst/>
@@ -2642,7 +2640,7 @@
         <p:spPr>
           <a:xfrm>
             <a:off x="-342000" y="5989680"/>
-            <a:ext cx="7064640" cy="6095520"/>
+            <a:ext cx="7063920" cy="6095520"/>
           </a:xfrm>
           <a:prstGeom prst="rect">
             <a:avLst/>
@@ -2695,7 +2693,7 @@
         <p:spPr>
           <a:xfrm>
             <a:off x="6431040" y="0"/>
-            <a:ext cx="11856240" cy="10285920"/>
+            <a:ext cx="11855520" cy="10285200"/>
           </a:xfrm>
           <a:prstGeom prst="rect">
             <a:avLst/>
@@ -2723,7 +2721,7 @@
         <p:spPr>
           <a:xfrm>
             <a:off x="1028880" y="1019160"/>
-            <a:ext cx="2939040" cy="594360"/>
+            <a:ext cx="2938320" cy="594360"/>
           </a:xfrm>
           <a:prstGeom prst="rect">
             <a:avLst/>
@@ -2750,7 +2748,7 @@
               </a:lnSpc>
             </a:pPr>
             <a:r>
-              <a:rPr b="0" lang="en-US" sz="1800" spc="80" strike="noStrike">
+              <a:rPr b="0" lang="en-US" sz="1800" spc="75" strike="noStrike">
                 <a:solidFill>
                   <a:srgbClr val="e1dace"/>
                 </a:solidFill>
@@ -2770,7 +2768,7 @@
               </a:lnSpc>
             </a:pPr>
             <a:r>
-              <a:rPr b="0" lang="en-US" sz="1800" spc="80" strike="noStrike">
+              <a:rPr b="0" lang="en-US" sz="1800" spc="75" strike="noStrike">
                 <a:solidFill>
                   <a:srgbClr val="e1dace"/>
                 </a:solidFill>
@@ -2794,9 +2792,9 @@
         <p:grpSpPr>
           <a:xfrm>
             <a:off x="7580520" y="998640"/>
-            <a:ext cx="9313560" cy="1724760"/>
+            <a:ext cx="9312840" cy="1724760"/>
             <a:chOff x="7580520" y="998640"/>
-            <a:chExt cx="9313560" cy="1724760"/>
+            <a:chExt cx="9312840" cy="1724760"/>
           </a:xfrm>
         </p:grpSpPr>
         <p:sp>
@@ -2808,7 +2806,7 @@
           <p:spPr>
             <a:xfrm>
               <a:off x="7580520" y="998640"/>
-              <a:ext cx="9313560" cy="568440"/>
+              <a:ext cx="9312840" cy="568440"/>
             </a:xfrm>
             <a:prstGeom prst="rect">
               <a:avLst/>
@@ -2835,7 +2833,7 @@
                 </a:lnSpc>
               </a:pPr>
               <a:r>
-                <a:rPr b="0" lang="en-US" sz="3200" spc="409" strike="noStrike">
+                <a:rPr b="0" lang="en-US" sz="3200" spc="403" strike="noStrike">
                   <a:solidFill>
                     <a:srgbClr val="ffffff"/>
                   </a:solidFill>
@@ -2859,7 +2857,7 @@
           <p:spPr>
             <a:xfrm>
               <a:off x="7580520" y="1809360"/>
-              <a:ext cx="9313560" cy="914040"/>
+              <a:ext cx="9312840" cy="914040"/>
             </a:xfrm>
             <a:prstGeom prst="rect">
               <a:avLst/>
@@ -2886,7 +2884,7 @@
                 </a:lnSpc>
               </a:pPr>
               <a:r>
-                <a:rPr b="0" lang="en-US" sz="2400" spc="100" strike="noStrike">
+                <a:rPr b="0" lang="en-US" sz="2400" spc="94" strike="noStrike">
                   <a:solidFill>
                     <a:srgbClr val="8f8573"/>
                   </a:solidFill>
@@ -2911,9 +2909,9 @@
         <p:grpSpPr>
           <a:xfrm>
             <a:off x="7602120" y="3075840"/>
-            <a:ext cx="9313560" cy="1724760"/>
+            <a:ext cx="9312840" cy="1268280"/>
             <a:chOff x="7602120" y="3075840"/>
-            <a:chExt cx="9313560" cy="1724760"/>
+            <a:chExt cx="9312840" cy="1268280"/>
           </a:xfrm>
         </p:grpSpPr>
         <p:sp>
@@ -2925,7 +2923,7 @@
           <p:spPr>
             <a:xfrm>
               <a:off x="7602120" y="3075840"/>
-              <a:ext cx="9313560" cy="568440"/>
+              <a:ext cx="9312840" cy="568440"/>
             </a:xfrm>
             <a:prstGeom prst="rect">
               <a:avLst/>
@@ -2952,7 +2950,7 @@
                 </a:lnSpc>
               </a:pPr>
               <a:r>
-                <a:rPr b="0" lang="en-US" sz="3200" spc="409" strike="noStrike">
+                <a:rPr b="0" lang="en-US" sz="3200" spc="403" strike="noStrike">
                   <a:solidFill>
                     <a:srgbClr val="ffffff"/>
                   </a:solidFill>
@@ -2976,7 +2974,7 @@
           <p:spPr>
             <a:xfrm>
               <a:off x="7602120" y="3886560"/>
-              <a:ext cx="9313560" cy="914040"/>
+              <a:ext cx="9312840" cy="457560"/>
             </a:xfrm>
             <a:prstGeom prst="rect">
               <a:avLst/>
@@ -3003,7 +3001,7 @@
                 </a:lnSpc>
               </a:pPr>
               <a:r>
-                <a:rPr b="0" lang="en-US" sz="2400" spc="100" strike="noStrike">
+                <a:rPr b="0" lang="en-US" sz="2400" spc="94" strike="noStrike">
                   <a:solidFill>
                     <a:srgbClr val="8f8573"/>
                   </a:solidFill>
@@ -3028,9 +3026,9 @@
         <p:grpSpPr>
           <a:xfrm>
             <a:off x="7543800" y="5029200"/>
-            <a:ext cx="9427680" cy="4799880"/>
+            <a:ext cx="9426960" cy="4799880"/>
             <a:chOff x="7543800" y="5029200"/>
-            <a:chExt cx="9427680" cy="4799880"/>
+            <a:chExt cx="9426960" cy="4799880"/>
           </a:xfrm>
         </p:grpSpPr>
         <p:sp>
@@ -3042,7 +3040,7 @@
           <p:spPr>
             <a:xfrm>
               <a:off x="7656480" y="5029200"/>
-              <a:ext cx="9258480" cy="568440"/>
+              <a:ext cx="9257760" cy="568440"/>
             </a:xfrm>
             <a:prstGeom prst="rect">
               <a:avLst/>
@@ -3069,7 +3067,7 @@
                 </a:lnSpc>
               </a:pPr>
               <a:r>
-                <a:rPr b="0" lang="en-US" sz="3200" spc="409" strike="noStrike">
+                <a:rPr b="0" lang="en-US" sz="3200" spc="403" strike="noStrike">
                   <a:solidFill>
                     <a:srgbClr val="ffffff"/>
                   </a:solidFill>
@@ -3093,7 +3091,7 @@
           <p:spPr>
             <a:xfrm>
               <a:off x="7656480" y="5943600"/>
-              <a:ext cx="9258480" cy="1371240"/>
+              <a:ext cx="9257760" cy="1371240"/>
             </a:xfrm>
             <a:prstGeom prst="rect">
               <a:avLst/>
@@ -3120,7 +3118,7 @@
                 </a:lnSpc>
               </a:pPr>
               <a:r>
-                <a:rPr b="0" lang="en-US" sz="2400" spc="100" strike="noStrike">
+                <a:rPr b="0" lang="en-US" sz="2400" spc="94" strike="noStrike">
                   <a:solidFill>
                     <a:srgbClr val="8f8573"/>
                   </a:solidFill>
@@ -3130,7 +3128,7 @@
                 <a:t>Прицнип роботи механізму схожий на лічильники Паскаля та Перро.Для переносу переповнення Перейра ств</a:t>
               </a:r>
               <a:r>
-                <a:rPr b="0" lang="uk-UA" sz="2400" spc="100" strike="noStrike">
+                <a:rPr b="0" lang="uk-UA" sz="2400" spc="94" strike="noStrike">
                   <a:solidFill>
                     <a:srgbClr val="8f8573"/>
                   </a:solidFill>
@@ -3140,7 +3138,7 @@
                 <a:t>орив</a:t>
               </a:r>
               <a:r>
-                <a:rPr b="0" lang="en-US" sz="2400" spc="100" strike="noStrike">
+                <a:rPr b="0" lang="en-US" sz="2400" spc="94" strike="noStrike">
                   <a:solidFill>
                     <a:srgbClr val="8f8573"/>
                   </a:solidFill>
@@ -3164,7 +3162,7 @@
           <p:spPr>
             <a:xfrm>
               <a:off x="7543800" y="7641000"/>
-              <a:ext cx="9258480" cy="568440"/>
+              <a:ext cx="9257760" cy="568440"/>
             </a:xfrm>
             <a:prstGeom prst="rect">
               <a:avLst/>
@@ -3191,7 +3189,7 @@
                 </a:lnSpc>
               </a:pPr>
               <a:r>
-                <a:rPr b="0" lang="en-US" sz="3200" spc="409" strike="noStrike">
+                <a:rPr b="0" lang="en-US" sz="3200" spc="403" strike="noStrike">
                   <a:solidFill>
                     <a:srgbClr val="ffffff"/>
                   </a:solidFill>
@@ -3201,7 +3199,7 @@
                 <a:t> </a:t>
               </a:r>
               <a:r>
-                <a:rPr b="0" lang="en-US" sz="3200" spc="409" strike="noStrike">
+                <a:rPr b="0" lang="en-US" sz="3200" spc="403" strike="noStrike">
                   <a:solidFill>
                     <a:srgbClr val="ffffff"/>
                   </a:solidFill>
@@ -3225,7 +3223,7 @@
           <p:spPr>
             <a:xfrm>
               <a:off x="7713000" y="8457840"/>
-              <a:ext cx="9258480" cy="1371240"/>
+              <a:ext cx="9257760" cy="1371240"/>
             </a:xfrm>
             <a:prstGeom prst="rect">
               <a:avLst/>
@@ -3252,7 +3250,7 @@
                 </a:lnSpc>
               </a:pPr>
               <a:r>
-                <a:rPr b="0" lang="en-US" sz="2400" spc="100" strike="noStrike">
+                <a:rPr b="0" lang="en-US" sz="2400" spc="94" strike="noStrike">
                   <a:solidFill>
                     <a:srgbClr val="8f8573"/>
                   </a:solidFill>
@@ -3281,7 +3279,7 @@
         <p:spPr>
           <a:xfrm>
             <a:off x="228600" y="2286000"/>
-            <a:ext cx="6229080" cy="5172840"/>
+            <a:ext cx="6228360" cy="5172120"/>
           </a:xfrm>
           <a:prstGeom prst="rect">
             <a:avLst/>
@@ -3330,7 +3328,7 @@
         <p:spPr>
           <a:xfrm>
             <a:off x="800280" y="914400"/>
-            <a:ext cx="11314800" cy="1981080"/>
+            <a:ext cx="11314080" cy="1981080"/>
           </a:xfrm>
           <a:prstGeom prst="rect">
             <a:avLst/>
@@ -3381,7 +3379,7 @@
         <p:spPr>
           <a:xfrm>
             <a:off x="11201400" y="1828800"/>
-            <a:ext cx="6057000" cy="1066680"/>
+            <a:ext cx="6056280" cy="1066680"/>
           </a:xfrm>
           <a:prstGeom prst="rect">
             <a:avLst/>
@@ -3408,7 +3406,7 @@
               </a:lnSpc>
             </a:pPr>
             <a:r>
-              <a:rPr b="0" lang="en-US" sz="2200" spc="117" strike="noStrike">
+              <a:rPr b="0" lang="en-US" sz="2200" spc="111" strike="noStrike">
                 <a:solidFill>
                   <a:srgbClr val="ada597"/>
                 </a:solidFill>
@@ -3428,7 +3426,7 @@
               </a:lnSpc>
             </a:pPr>
             <a:r>
-              <a:rPr b="0" lang="en-US" sz="2200" spc="117" strike="noStrike">
+              <a:rPr b="0" lang="en-US" sz="2200" spc="111" strike="noStrike">
                 <a:solidFill>
                   <a:srgbClr val="ada597"/>
                 </a:solidFill>
@@ -3452,7 +3450,7 @@
         <p:spPr>
           <a:xfrm>
             <a:off x="457200" y="4343400"/>
-            <a:ext cx="16687080" cy="5485680"/>
+            <a:ext cx="16686360" cy="5484960"/>
           </a:xfrm>
           <a:prstGeom prst="rect">
             <a:avLst/>
@@ -3473,7 +3471,7 @@
             <a:noAutofit/>
           </a:bodyPr>
           <a:p>
-            <a:pPr marL="216000" indent="-215280">
+            <a:pPr marL="216000" indent="-214560">
               <a:lnSpc>
                 <a:spcPct val="100000"/>
               </a:lnSpc>
@@ -3509,7 +3507,7 @@
             </a:endParaRPr>
           </a:p>
           <a:p>
-            <a:pPr marL="216000" indent="-215280">
+            <a:pPr marL="216000" indent="-214560">
               <a:lnSpc>
                 <a:spcPct val="100000"/>
               </a:lnSpc>
@@ -3545,7 +3543,7 @@
             </a:endParaRPr>
           </a:p>
           <a:p>
-            <a:pPr marL="216000" indent="-215280">
+            <a:pPr marL="216000" indent="-214560">
               <a:lnSpc>
                 <a:spcPct val="100000"/>
               </a:lnSpc>
@@ -3591,7 +3589,7 @@
         <p:spPr>
           <a:xfrm>
             <a:off x="-228600" y="5790960"/>
-            <a:ext cx="5942880" cy="6096240"/>
+            <a:ext cx="5942160" cy="6095520"/>
           </a:xfrm>
           <a:prstGeom prst="rect">
             <a:avLst/>
@@ -3649,6 +3647,263 @@
 </file>
 
 <file path=ppt/slides/slide6.xml><?xml version="1.0" encoding="utf-8"?>
+<p:sld xmlns:a="http://schemas.openxmlformats.org/drawingml/2006/main" xmlns:p="http://schemas.openxmlformats.org/presentationml/2006/main" xmlns:r="http://schemas.openxmlformats.org/officeDocument/2006/relationships" xmlns:p14="http://schemas.microsoft.com/office/powerpoint/2010/main" xmlns:p15="http://schemas.microsoft.com/office/powerpoint/2012/main" xmlns:mc="http://schemas.openxmlformats.org/markup-compatibility/2006">
+  <p:cSld>
+    <p:spTree>
+      <p:nvGrpSpPr>
+        <p:cNvPr id="1" name=""/>
+        <p:cNvGrpSpPr/>
+        <p:nvPr/>
+      </p:nvGrpSpPr>
+      <p:grpSpPr>
+        <a:xfrm>
+          <a:off x="0" y="0"/>
+          <a:ext cx="0" cy="0"/>
+          <a:chOff x="0" y="0"/>
+          <a:chExt cx="0" cy="0"/>
+        </a:xfrm>
+      </p:grpSpPr>
+      <p:sp>
+        <p:nvSpPr>
+          <p:cNvPr id="73" name="CustomShape 1"/>
+          <p:cNvSpPr/>
+          <p:nvPr/>
+        </p:nvSpPr>
+        <p:spPr>
+          <a:xfrm>
+            <a:off x="914400" y="457200"/>
+            <a:ext cx="10856880" cy="990720"/>
+          </a:xfrm>
+          <a:prstGeom prst="rect">
+            <a:avLst/>
+          </a:prstGeom>
+          <a:noFill/>
+          <a:ln w="0">
+            <a:noFill/>
+          </a:ln>
+        </p:spPr>
+        <p:style>
+          <a:lnRef idx="0"/>
+          <a:fillRef idx="0"/>
+          <a:effectRef idx="0"/>
+          <a:fontRef idx="minor"/>
+        </p:style>
+        <p:txBody>
+          <a:bodyPr lIns="0" rIns="0" tIns="0" bIns="0">
+            <a:spAutoFit/>
+          </a:bodyPr>
+          <a:p>
+            <a:pPr>
+              <a:lnSpc>
+                <a:spcPts val="7801"/>
+              </a:lnSpc>
+            </a:pPr>
+            <a:r>
+              <a:rPr b="0" lang="en-US" sz="5400" spc="-1" strike="noStrike">
+                <a:solidFill>
+                  <a:srgbClr val="594f3d"/>
+                </a:solidFill>
+                <a:latin typeface="Courier New"/>
+                <a:ea typeface="DejaVu Sans"/>
+              </a:rPr>
+              <a:t>Можливості модернізації</a:t>
+            </a:r>
+            <a:endParaRPr b="0" lang="en-US" sz="5400" spc="-1" strike="noStrike">
+              <a:latin typeface="Arial"/>
+            </a:endParaRPr>
+          </a:p>
+        </p:txBody>
+      </p:sp>
+      <p:sp>
+        <p:nvSpPr>
+          <p:cNvPr id="74" name="CustomShape 2"/>
+          <p:cNvSpPr/>
+          <p:nvPr/>
+        </p:nvSpPr>
+        <p:spPr>
+          <a:xfrm>
+            <a:off x="1143000" y="2743200"/>
+            <a:ext cx="10286640" cy="3137040"/>
+          </a:xfrm>
+          <a:prstGeom prst="rect">
+            <a:avLst/>
+          </a:prstGeom>
+          <a:noFill/>
+          <a:ln w="0">
+            <a:noFill/>
+          </a:ln>
+        </p:spPr>
+        <p:style>
+          <a:lnRef idx="0"/>
+          <a:fillRef idx="0"/>
+          <a:effectRef idx="0"/>
+          <a:fontRef idx="minor"/>
+        </p:style>
+        <p:txBody>
+          <a:bodyPr lIns="0" rIns="0" tIns="0" bIns="0">
+            <a:spAutoFit/>
+          </a:bodyPr>
+          <a:p>
+            <a:pPr marL="216000" indent="-214560">
+              <a:lnSpc>
+                <a:spcPts val="3529"/>
+              </a:lnSpc>
+              <a:buClr>
+                <a:srgbClr val="272523"/>
+              </a:buClr>
+              <a:buFont typeface="Wingdings" charset="2"/>
+              <a:buChar char=""/>
+              <a:tabLst>
+                <a:tab algn="l" pos="0"/>
+              </a:tabLst>
+            </a:pPr>
+            <a:r>
+              <a:rPr b="0" lang="en-US" sz="2400" spc="94" strike="noStrike">
+                <a:solidFill>
+                  <a:srgbClr val="272523"/>
+                </a:solidFill>
+                <a:latin typeface="Courier New"/>
+                <a:ea typeface="DejaVu Sans"/>
+              </a:rPr>
+              <a:t>Для створення ОС на базі рахункової машини Перейри , можна її об’еднати з друкарською машинкою. В результаті ми отримаемо збереження попередніх розрахунків .</a:t>
+            </a:r>
+            <a:endParaRPr b="0" lang="en-US" sz="2400" spc="-1" strike="noStrike">
+              <a:latin typeface="Arial"/>
+            </a:endParaRPr>
+          </a:p>
+          <a:p>
+            <a:pPr>
+              <a:lnSpc>
+                <a:spcPts val="3529"/>
+              </a:lnSpc>
+              <a:tabLst>
+                <a:tab algn="l" pos="0"/>
+              </a:tabLst>
+            </a:pPr>
+            <a:endParaRPr b="0" lang="en-US" sz="2400" spc="-1" strike="noStrike">
+              <a:latin typeface="Arial"/>
+            </a:endParaRPr>
+          </a:p>
+          <a:p>
+            <a:pPr marL="216000" indent="-214560">
+              <a:lnSpc>
+                <a:spcPts val="3529"/>
+              </a:lnSpc>
+              <a:buClr>
+                <a:srgbClr val="272523"/>
+              </a:buClr>
+              <a:buFont typeface="Wingdings" charset="2"/>
+              <a:buChar char=""/>
+              <a:tabLst>
+                <a:tab algn="l" pos="0"/>
+              </a:tabLst>
+            </a:pPr>
+            <a:r>
+              <a:rPr b="0" lang="en-US" sz="2400" spc="94" strike="noStrike">
+                <a:solidFill>
+                  <a:srgbClr val="272523"/>
+                </a:solidFill>
+                <a:latin typeface="Courier New"/>
+                <a:ea typeface="DejaVu Sans"/>
+              </a:rPr>
+              <a:t>Але при такій модернізації ми втрачаемо у компактності</a:t>
+            </a:r>
+            <a:endParaRPr b="0" lang="en-US" sz="2400" spc="-1" strike="noStrike">
+              <a:latin typeface="Arial"/>
+            </a:endParaRPr>
+          </a:p>
+        </p:txBody>
+      </p:sp>
+      <p:sp>
+        <p:nvSpPr>
+          <p:cNvPr id="75" name="CustomShape 3"/>
+          <p:cNvSpPr/>
+          <p:nvPr/>
+        </p:nvSpPr>
+        <p:spPr>
+          <a:xfrm>
+            <a:off x="-228600" y="5715000"/>
+            <a:ext cx="5942160" cy="6095520"/>
+          </a:xfrm>
+          <a:prstGeom prst="rect">
+            <a:avLst/>
+          </a:prstGeom>
+          <a:noFill/>
+          <a:ln w="0">
+            <a:noFill/>
+          </a:ln>
+        </p:spPr>
+        <p:style>
+          <a:lnRef idx="0"/>
+          <a:fillRef idx="0"/>
+          <a:effectRef idx="0"/>
+          <a:fontRef idx="minor"/>
+        </p:style>
+        <p:txBody>
+          <a:bodyPr lIns="0" rIns="0" tIns="0" bIns="0">
+            <a:spAutoFit/>
+          </a:bodyPr>
+          <a:p>
+            <a:pPr algn="ctr">
+              <a:lnSpc>
+                <a:spcPts val="47999"/>
+              </a:lnSpc>
+            </a:pPr>
+            <a:r>
+              <a:rPr b="0" lang="en-US" sz="40000" spc="-1880" strike="noStrike">
+                <a:solidFill>
+                  <a:srgbClr val="e1dace">
+                    <a:alpha val="56000"/>
+                  </a:srgbClr>
+                </a:solidFill>
+                <a:latin typeface="Archivo Narrow"/>
+                <a:ea typeface="DejaVu Sans"/>
+              </a:rPr>
+              <a:t>05</a:t>
+            </a:r>
+            <a:endParaRPr b="0" lang="en-US" sz="40000" spc="-1" strike="noStrike">
+              <a:latin typeface="Arial"/>
+            </a:endParaRPr>
+          </a:p>
+        </p:txBody>
+      </p:sp>
+      <p:pic>
+        <p:nvPicPr>
+          <p:cNvPr id="76" name="" descr=""/>
+          <p:cNvPicPr/>
+          <p:nvPr/>
+        </p:nvPicPr>
+        <p:blipFill>
+          <a:blip r:embed="rId1"/>
+          <a:stretch/>
+        </p:blipFill>
+        <p:spPr>
+          <a:xfrm>
+            <a:off x="12345480" y="1371600"/>
+            <a:ext cx="5256360" cy="5370480"/>
+          </a:xfrm>
+          <a:prstGeom prst="rect">
+            <a:avLst/>
+          </a:prstGeom>
+          <a:ln w="0">
+            <a:noFill/>
+          </a:ln>
+        </p:spPr>
+      </p:pic>
+    </p:spTree>
+  </p:cSld>
+  <mc:AlternateContent>
+    <mc:Choice Requires="p14">
+      <p:transition spd="slow" p14:dur="2000"/>
+    </mc:Choice>
+    <mc:Fallback>
+      <p:transition spd="slow"/>
+    </mc:Fallback>
+  </mc:AlternateContent>
+</p:sld>
+</file>
+
+<file path=ppt/slides/slide7.xml><?xml version="1.0" encoding="utf-8"?>
 <p:sld xmlns:a="http://schemas.openxmlformats.org/drawingml/2006/main" xmlns:p="http://schemas.openxmlformats.org/presentationml/2006/main" xmlns:r="http://schemas.openxmlformats.org/officeDocument/2006/relationships" xmlns:p14="http://schemas.microsoft.com/office/powerpoint/2010/main" xmlns:p15="http://schemas.microsoft.com/office/powerpoint/2012/main" xmlns:mc="http://schemas.openxmlformats.org/markup-compatibility/2006">
   <p:cSld>
     <p:bg>
@@ -3675,28 +3930,28 @@
       </p:grpSpPr>
       <p:grpSp>
         <p:nvGrpSpPr>
-          <p:cNvPr id="73" name="Group 1"/>
+          <p:cNvPr id="77" name="Group 1"/>
           <p:cNvGrpSpPr/>
           <p:nvPr/>
         </p:nvGrpSpPr>
         <p:grpSpPr>
           <a:xfrm>
             <a:off x="3520440" y="1590120"/>
-            <a:ext cx="11246040" cy="7502040"/>
+            <a:ext cx="11245320" cy="7502040"/>
             <a:chOff x="3520440" y="1590120"/>
-            <a:chExt cx="11246040" cy="7502040"/>
+            <a:chExt cx="11245320" cy="7502040"/>
           </a:xfrm>
         </p:grpSpPr>
         <p:sp>
           <p:nvSpPr>
-            <p:cNvPr id="74" name="CustomShape 2"/>
+            <p:cNvPr id="78" name="CustomShape 2"/>
             <p:cNvSpPr/>
             <p:nvPr/>
           </p:nvSpPr>
           <p:spPr>
             <a:xfrm>
               <a:off x="3520440" y="1590120"/>
-              <a:ext cx="11246040" cy="995040"/>
+              <a:ext cx="11245320" cy="995040"/>
             </a:xfrm>
             <a:prstGeom prst="rect">
               <a:avLst/>
@@ -3740,14 +3995,14 @@
         </p:sp>
         <p:sp>
           <p:nvSpPr>
-            <p:cNvPr id="75" name="CustomShape 3"/>
+            <p:cNvPr id="79" name="CustomShape 3"/>
             <p:cNvSpPr/>
             <p:nvPr/>
           </p:nvSpPr>
           <p:spPr>
             <a:xfrm>
               <a:off x="6603120" y="8168040"/>
-              <a:ext cx="5080680" cy="924120"/>
+              <a:ext cx="5079960" cy="924120"/>
             </a:xfrm>
             <a:prstGeom prst="rect">
               <a:avLst/>
@@ -3774,7 +4029,7 @@
                 </a:lnSpc>
               </a:pPr>
               <a:r>
-                <a:rPr b="0" lang="en-US" sz="2800" spc="216" strike="noStrike">
+                <a:rPr b="0" lang="en-US" sz="2800" spc="211" strike="noStrike">
                   <a:solidFill>
                     <a:srgbClr val="ffffff"/>
                   </a:solidFill>
@@ -3794,7 +4049,7 @@
                 </a:lnSpc>
               </a:pPr>
               <a:r>
-                <a:rPr b="0" lang="en-US" sz="2800" spc="216" strike="noStrike">
+                <a:rPr b="0" lang="en-US" sz="2800" spc="211" strike="noStrike">
                   <a:solidFill>
                     <a:srgbClr val="ffffff"/>
                   </a:solidFill>
@@ -3811,14 +4066,14 @@
         </p:sp>
         <p:sp>
           <p:nvSpPr>
-            <p:cNvPr id="76" name="CustomShape 4"/>
+            <p:cNvPr id="80" name="CustomShape 4"/>
             <p:cNvSpPr/>
             <p:nvPr/>
           </p:nvSpPr>
           <p:spPr>
             <a:xfrm rot="16200000">
-              <a:off x="8037360" y="6327720"/>
-              <a:ext cx="2212200" cy="40680"/>
+              <a:off x="8037360" y="6328440"/>
+              <a:ext cx="2211480" cy="39960"/>
             </a:xfrm>
             <a:prstGeom prst="rect">
               <a:avLst/>
